--- a/G2M Insights for Cab Investment /G2M EDA Insights.pptx
+++ b/G2M Insights for Cab Investment /G2M EDA Insights.pptx
@@ -6,20 +6,19 @@
   </p:sldMasterIdLst>
   <p:sldIdLst>
     <p:sldId id="256" r:id="rId2"/>
-    <p:sldId id="267" r:id="rId3"/>
-    <p:sldId id="269" r:id="rId4"/>
-    <p:sldId id="270" r:id="rId5"/>
-    <p:sldId id="271" r:id="rId6"/>
-    <p:sldId id="272" r:id="rId7"/>
-    <p:sldId id="273" r:id="rId8"/>
-    <p:sldId id="274" r:id="rId9"/>
-    <p:sldId id="275" r:id="rId10"/>
-    <p:sldId id="276" r:id="rId11"/>
-    <p:sldId id="277" r:id="rId12"/>
-    <p:sldId id="278" r:id="rId13"/>
-    <p:sldId id="280" r:id="rId14"/>
-    <p:sldId id="282" r:id="rId15"/>
-    <p:sldId id="268" r:id="rId16"/>
+    <p:sldId id="269" r:id="rId3"/>
+    <p:sldId id="270" r:id="rId4"/>
+    <p:sldId id="271" r:id="rId5"/>
+    <p:sldId id="272" r:id="rId6"/>
+    <p:sldId id="273" r:id="rId7"/>
+    <p:sldId id="274" r:id="rId8"/>
+    <p:sldId id="275" r:id="rId9"/>
+    <p:sldId id="276" r:id="rId10"/>
+    <p:sldId id="277" r:id="rId11"/>
+    <p:sldId id="278" r:id="rId12"/>
+    <p:sldId id="280" r:id="rId13"/>
+    <p:sldId id="282" r:id="rId14"/>
+    <p:sldId id="268" r:id="rId15"/>
   </p:sldIdLst>
   <p:sldSz cx="12192000" cy="6858000"/>
   <p:notesSz cx="6858000" cy="9144000"/>
@@ -3106,105 +3105,6 @@
           <p:cNvPr id="2" name="Title 1">
             <a:extLst>
               <a:ext uri="{FF2B5EF4-FFF2-40B4-BE49-F238E27FC236}">
-                <a16:creationId xmlns:a16="http://schemas.microsoft.com/office/drawing/2014/main" id="{9BB47AAD-C838-C1B2-258E-D5DFF85DCDB5}"/>
-              </a:ext>
-            </a:extLst>
-          </p:cNvPr>
-          <p:cNvSpPr>
-            <a:spLocks noGrp="1"/>
-          </p:cNvSpPr>
-          <p:nvPr>
-            <p:ph type="title"/>
-          </p:nvPr>
-        </p:nvSpPr>
-        <p:spPr/>
-        <p:txBody>
-          <a:bodyPr>
-            <a:normAutofit fontScale="90000"/>
-          </a:bodyPr>
-          <a:lstStyle/>
-          <a:p>
-            <a:r>
-              <a:rPr lang="en-US" dirty="0">
-                <a:solidFill>
-                  <a:schemeClr val="accent2"/>
-                </a:solidFill>
-              </a:rPr>
-              <a:t>Hypothesis 4: Clear-cut gender demographic to focus on investing in to attract customers to cabs, and an area of improvement also possible for G2M</a:t>
-            </a:r>
-          </a:p>
-        </p:txBody>
-      </p:sp>
-      <p:pic>
-        <p:nvPicPr>
-          <p:cNvPr id="5" name="Content Placeholder 4" descr="Chart, bar chart&#10;&#10;Description automatically generated">
-            <a:extLst>
-              <a:ext uri="{FF2B5EF4-FFF2-40B4-BE49-F238E27FC236}">
-                <a16:creationId xmlns:a16="http://schemas.microsoft.com/office/drawing/2014/main" id="{DC3934E0-BAE9-62B6-C9E1-F794E496862F}"/>
-              </a:ext>
-            </a:extLst>
-          </p:cNvPr>
-          <p:cNvPicPr>
-            <a:picLocks noGrp="1" noChangeAspect="1"/>
-          </p:cNvPicPr>
-          <p:nvPr>
-            <p:ph idx="1"/>
-          </p:nvPr>
-        </p:nvPicPr>
-        <p:blipFill>
-          <a:blip r:embed="rId2">
-            <a:extLst>
-              <a:ext uri="{28A0092B-C50C-407E-A947-70E740481C1C}">
-                <a14:useLocalDpi xmlns:a14="http://schemas.microsoft.com/office/drawing/2010/main" val="0"/>
-              </a:ext>
-            </a:extLst>
-          </a:blip>
-          <a:stretch>
-            <a:fillRect/>
-          </a:stretch>
-        </p:blipFill>
-        <p:spPr>
-          <a:xfrm>
-            <a:off x="2710520" y="1825625"/>
-            <a:ext cx="6770960" cy="4351338"/>
-          </a:xfrm>
-        </p:spPr>
-      </p:pic>
-    </p:spTree>
-    <p:extLst>
-      <p:ext uri="{BB962C8B-B14F-4D97-AF65-F5344CB8AC3E}">
-        <p14:creationId xmlns:p14="http://schemas.microsoft.com/office/powerpoint/2010/main" val="1728501981"/>
-      </p:ext>
-    </p:extLst>
-  </p:cSld>
-  <p:clrMapOvr>
-    <a:masterClrMapping/>
-  </p:clrMapOvr>
-</p:sld>
-</file>
-
-<file path=ppt/slides/slide11.xml><?xml version="1.0" encoding="utf-8"?>
-<p:sld xmlns:a="http://schemas.openxmlformats.org/drawingml/2006/main" xmlns:r="http://schemas.openxmlformats.org/officeDocument/2006/relationships" xmlns:p="http://schemas.openxmlformats.org/presentationml/2006/main">
-  <p:cSld>
-    <p:spTree>
-      <p:nvGrpSpPr>
-        <p:cNvPr id="1" name=""/>
-        <p:cNvGrpSpPr/>
-        <p:nvPr/>
-      </p:nvGrpSpPr>
-      <p:grpSpPr>
-        <a:xfrm>
-          <a:off x="0" y="0"/>
-          <a:ext cx="0" cy="0"/>
-          <a:chOff x="0" y="0"/>
-          <a:chExt cx="0" cy="0"/>
-        </a:xfrm>
-      </p:grpSpPr>
-      <p:sp>
-        <p:nvSpPr>
-          <p:cNvPr id="2" name="Title 1">
-            <a:extLst>
-              <a:ext uri="{FF2B5EF4-FFF2-40B4-BE49-F238E27FC236}">
                 <a16:creationId xmlns:a16="http://schemas.microsoft.com/office/drawing/2014/main" id="{10233BD5-7DDB-0E71-376A-69557C021BEF}"/>
               </a:ext>
             </a:extLst>
@@ -3287,7 +3187,7 @@
 </p:sld>
 </file>
 
-<file path=ppt/slides/slide12.xml><?xml version="1.0" encoding="utf-8"?>
+<file path=ppt/slides/slide11.xml><?xml version="1.0" encoding="utf-8"?>
 <p:sld xmlns:a="http://schemas.openxmlformats.org/drawingml/2006/main" xmlns:r="http://schemas.openxmlformats.org/officeDocument/2006/relationships" xmlns:p="http://schemas.openxmlformats.org/presentationml/2006/main">
   <p:cSld>
     <p:spTree>
@@ -3386,6 +3286,128 @@
 </p:sld>
 </file>
 
+<file path=ppt/slides/slide12.xml><?xml version="1.0" encoding="utf-8"?>
+<p:sld xmlns:a="http://schemas.openxmlformats.org/drawingml/2006/main" xmlns:r="http://schemas.openxmlformats.org/officeDocument/2006/relationships" xmlns:p="http://schemas.openxmlformats.org/presentationml/2006/main">
+  <p:cSld>
+    <p:spTree>
+      <p:nvGrpSpPr>
+        <p:cNvPr id="1" name=""/>
+        <p:cNvGrpSpPr/>
+        <p:nvPr/>
+      </p:nvGrpSpPr>
+      <p:grpSpPr>
+        <a:xfrm>
+          <a:off x="0" y="0"/>
+          <a:ext cx="0" cy="0"/>
+          <a:chOff x="0" y="0"/>
+          <a:chExt cx="0" cy="0"/>
+        </a:xfrm>
+      </p:grpSpPr>
+      <p:sp>
+        <p:nvSpPr>
+          <p:cNvPr id="2" name="Title 1">
+            <a:extLst>
+              <a:ext uri="{FF2B5EF4-FFF2-40B4-BE49-F238E27FC236}">
+                <a16:creationId xmlns:a16="http://schemas.microsoft.com/office/drawing/2014/main" id="{33297BAC-4042-ADAE-40C0-AA015BF3E233}"/>
+              </a:ext>
+            </a:extLst>
+          </p:cNvPr>
+          <p:cNvSpPr>
+            <a:spLocks noGrp="1"/>
+          </p:cNvSpPr>
+          <p:nvPr>
+            <p:ph type="title"/>
+          </p:nvPr>
+        </p:nvSpPr>
+        <p:spPr/>
+        <p:txBody>
+          <a:bodyPr/>
+          <a:lstStyle/>
+          <a:p>
+            <a:r>
+              <a:rPr lang="en-US" dirty="0">
+                <a:solidFill>
+                  <a:schemeClr val="accent2"/>
+                </a:solidFill>
+              </a:rPr>
+              <a:t>Recommendations</a:t>
+            </a:r>
+          </a:p>
+        </p:txBody>
+      </p:sp>
+      <p:sp>
+        <p:nvSpPr>
+          <p:cNvPr id="3" name="Content Placeholder 2">
+            <a:extLst>
+              <a:ext uri="{FF2B5EF4-FFF2-40B4-BE49-F238E27FC236}">
+                <a16:creationId xmlns:a16="http://schemas.microsoft.com/office/drawing/2014/main" id="{C7995E0B-25B3-13E6-84FC-BD648B0E04F5}"/>
+              </a:ext>
+            </a:extLst>
+          </p:cNvPr>
+          <p:cNvSpPr>
+            <a:spLocks noGrp="1"/>
+          </p:cNvSpPr>
+          <p:nvPr>
+            <p:ph idx="1"/>
+          </p:nvPr>
+        </p:nvSpPr>
+        <p:spPr/>
+        <p:txBody>
+          <a:bodyPr>
+            <a:normAutofit/>
+          </a:bodyPr>
+          <a:lstStyle/>
+          <a:p>
+            <a:r>
+              <a:rPr lang="en-US" sz="1600" dirty="0"/>
+              <a:t>We can suggest to G2M that the cost of the trip for the drivers that they will place in their cabs after investing the cab industry will stay about constant throughout the December timeframe given in the problem.</a:t>
+            </a:r>
+          </a:p>
+          <a:p>
+            <a:r>
+              <a:rPr lang="en-US" sz="1600" dirty="0"/>
+              <a:t>We can suggest to G2M that the price charged can be either hiked to the prices on days 42625, 42850, and 43150 for a few more days using different rates. Or we can suggest G2M to reduce prices to increase customers paying for cabs, and hence, eventually causing a boost in fares by out-lowering the prices compared to competitor companies’ prices.</a:t>
+            </a:r>
+          </a:p>
+          <a:p>
+            <a:r>
+              <a:rPr lang="en-US" sz="1600" dirty="0"/>
+              <a:t>It is better for GM2 to start their investment in a city like New York, where the profit margins are high which would make the investment project a success.</a:t>
+            </a:r>
+          </a:p>
+          <a:p>
+            <a:r>
+              <a:rPr lang="en-US" sz="1600" dirty="0"/>
+              <a:t>G2M should find cities where the population of males is higher to start off with higher sales, as can be seen from the data that male customers on average pay more to cabs, causing an increase in profit. Another suggestion would be to also simultaneously increase investment in Female customers being attracted to riding in cabs by either promising safety in rides, or employing women-drivers which would allow women to feel safer and ride via cabs more often.</a:t>
+            </a:r>
+          </a:p>
+          <a:p>
+            <a:r>
+              <a:rPr lang="en-US" sz="1600" dirty="0"/>
+              <a:t>G2M should find cities where average age of residents are between an age range of around 28 - 61 years of age as can be seen from the data that people in that age range tend to use cabs more, increasing the profit margin.</a:t>
+            </a:r>
+          </a:p>
+          <a:p>
+            <a:r>
+              <a:rPr lang="en-US" sz="1600" dirty="0"/>
+              <a:t>G2M should start their investment into the cab industry in cities like Sacramento, New York, and Orange County as people are more well-off and would be more willing to pay for cabs as compared to people from places like Atlanta, Austin, etc. who might not be as open to paying for cabs.</a:t>
+            </a:r>
+          </a:p>
+        </p:txBody>
+      </p:sp>
+    </p:spTree>
+    <p:extLst>
+      <p:ext uri="{BB962C8B-B14F-4D97-AF65-F5344CB8AC3E}">
+        <p14:creationId xmlns:p14="http://schemas.microsoft.com/office/powerpoint/2010/main" val="3932790038"/>
+      </p:ext>
+    </p:extLst>
+  </p:cSld>
+  <p:clrMapOvr>
+    <a:masterClrMapping/>
+  </p:clrMapOvr>
+</p:sld>
+</file>
+
 <file path=ppt/slides/slide13.xml><?xml version="1.0" encoding="utf-8"?>
 <p:sld xmlns:a="http://schemas.openxmlformats.org/drawingml/2006/main" xmlns:r="http://schemas.openxmlformats.org/officeDocument/2006/relationships" xmlns:p="http://schemas.openxmlformats.org/presentationml/2006/main">
   <p:cSld>
@@ -3408,128 +3430,6 @@
           <p:cNvPr id="2" name="Title 1">
             <a:extLst>
               <a:ext uri="{FF2B5EF4-FFF2-40B4-BE49-F238E27FC236}">
-                <a16:creationId xmlns:a16="http://schemas.microsoft.com/office/drawing/2014/main" id="{33297BAC-4042-ADAE-40C0-AA015BF3E233}"/>
-              </a:ext>
-            </a:extLst>
-          </p:cNvPr>
-          <p:cNvSpPr>
-            <a:spLocks noGrp="1"/>
-          </p:cNvSpPr>
-          <p:nvPr>
-            <p:ph type="title"/>
-          </p:nvPr>
-        </p:nvSpPr>
-        <p:spPr/>
-        <p:txBody>
-          <a:bodyPr/>
-          <a:lstStyle/>
-          <a:p>
-            <a:r>
-              <a:rPr lang="en-US" dirty="0">
-                <a:solidFill>
-                  <a:schemeClr val="accent2"/>
-                </a:solidFill>
-              </a:rPr>
-              <a:t>Recommendations</a:t>
-            </a:r>
-          </a:p>
-        </p:txBody>
-      </p:sp>
-      <p:sp>
-        <p:nvSpPr>
-          <p:cNvPr id="3" name="Content Placeholder 2">
-            <a:extLst>
-              <a:ext uri="{FF2B5EF4-FFF2-40B4-BE49-F238E27FC236}">
-                <a16:creationId xmlns:a16="http://schemas.microsoft.com/office/drawing/2014/main" id="{C7995E0B-25B3-13E6-84FC-BD648B0E04F5}"/>
-              </a:ext>
-            </a:extLst>
-          </p:cNvPr>
-          <p:cNvSpPr>
-            <a:spLocks noGrp="1"/>
-          </p:cNvSpPr>
-          <p:nvPr>
-            <p:ph idx="1"/>
-          </p:nvPr>
-        </p:nvSpPr>
-        <p:spPr/>
-        <p:txBody>
-          <a:bodyPr>
-            <a:normAutofit/>
-          </a:bodyPr>
-          <a:lstStyle/>
-          <a:p>
-            <a:r>
-              <a:rPr lang="en-US" sz="1600" dirty="0"/>
-              <a:t>We can suggest to G2M that the cost of the trip for the drivers that they will place in their cabs after investing the cab industry will stay about constant throughout the December timeframe given in the problem.</a:t>
-            </a:r>
-          </a:p>
-          <a:p>
-            <a:r>
-              <a:rPr lang="en-US" sz="1600" dirty="0"/>
-              <a:t>We can suggest to G2M that the price charged can be either hiked to the prices on days 42625, 42850, and 43150 for a few more days using different rates. Or we can suggest G2M to reduce prices to increase customers paying for cabs, and hence, eventually causing a boost in fares by out-lowering the prices compared to competitor companies’ prices.</a:t>
-            </a:r>
-          </a:p>
-          <a:p>
-            <a:r>
-              <a:rPr lang="en-US" sz="1600" dirty="0"/>
-              <a:t>It is better for GM2 to start their investment in a city like New York, where the profit margins are high which would make the investment project a success.</a:t>
-            </a:r>
-          </a:p>
-          <a:p>
-            <a:r>
-              <a:rPr lang="en-US" sz="1600" dirty="0"/>
-              <a:t>G2M should find cities where the population of males is higher to start off with higher sales, as can be seen from the data that male customers on average pay more to cabs, causing an increase in profit. Another suggestion would be to also simultaneously increase investment in Female customers being attracted to riding in cabs by either promising safety in rides, or employing women-drivers which would allow women to feel safer and ride via cabs more often.</a:t>
-            </a:r>
-          </a:p>
-          <a:p>
-            <a:r>
-              <a:rPr lang="en-US" sz="1600" dirty="0"/>
-              <a:t>G2M should find cities where average age of residents are between an age range of around 28 - 61 years of age as can be seen from the data that people in that age range tend to use cabs more, increasing the profit margin.</a:t>
-            </a:r>
-          </a:p>
-          <a:p>
-            <a:r>
-              <a:rPr lang="en-US" sz="1600" dirty="0"/>
-              <a:t>G2M should start their investment into the cab industry in cities like Sacramento, New York, and Orange County as people are more well-off and would be more willing to pay for cabs as compared to people from places like Atlanta, Austin, etc. who might not be as open to paying for cabs.</a:t>
-            </a:r>
-          </a:p>
-        </p:txBody>
-      </p:sp>
-    </p:spTree>
-    <p:extLst>
-      <p:ext uri="{BB962C8B-B14F-4D97-AF65-F5344CB8AC3E}">
-        <p14:creationId xmlns:p14="http://schemas.microsoft.com/office/powerpoint/2010/main" val="3932790038"/>
-      </p:ext>
-    </p:extLst>
-  </p:cSld>
-  <p:clrMapOvr>
-    <a:masterClrMapping/>
-  </p:clrMapOvr>
-</p:sld>
-</file>
-
-<file path=ppt/slides/slide14.xml><?xml version="1.0" encoding="utf-8"?>
-<p:sld xmlns:a="http://schemas.openxmlformats.org/drawingml/2006/main" xmlns:r="http://schemas.openxmlformats.org/officeDocument/2006/relationships" xmlns:p="http://schemas.openxmlformats.org/presentationml/2006/main">
-  <p:cSld>
-    <p:spTree>
-      <p:nvGrpSpPr>
-        <p:cNvPr id="1" name=""/>
-        <p:cNvGrpSpPr/>
-        <p:nvPr/>
-      </p:nvGrpSpPr>
-      <p:grpSpPr>
-        <a:xfrm>
-          <a:off x="0" y="0"/>
-          <a:ext cx="0" cy="0"/>
-          <a:chOff x="0" y="0"/>
-          <a:chExt cx="0" cy="0"/>
-        </a:xfrm>
-      </p:grpSpPr>
-      <p:sp>
-        <p:nvSpPr>
-          <p:cNvPr id="2" name="Title 1">
-            <a:extLst>
-              <a:ext uri="{FF2B5EF4-FFF2-40B4-BE49-F238E27FC236}">
                 <a16:creationId xmlns:a16="http://schemas.microsoft.com/office/drawing/2014/main" id="{CFFB2BFD-C9A1-3549-EFBD-7FC4038F7587}"/>
               </a:ext>
             </a:extLst>
@@ -3578,7 +3478,7 @@
 </p:sld>
 </file>
 
-<file path=ppt/slides/slide15.xml><?xml version="1.0" encoding="utf-8"?>
+<file path=ppt/slides/slide14.xml><?xml version="1.0" encoding="utf-8"?>
 <p:sld xmlns:a="http://schemas.openxmlformats.org/drawingml/2006/main" xmlns:r="http://schemas.openxmlformats.org/officeDocument/2006/relationships" xmlns:p="http://schemas.openxmlformats.org/presentationml/2006/main">
   <p:cSld>
     <p:spTree>
@@ -3749,7 +3649,7 @@
           <p:cNvPr id="2" name="Title 1">
             <a:extLst>
               <a:ext uri="{FF2B5EF4-FFF2-40B4-BE49-F238E27FC236}">
-                <a16:creationId xmlns:a16="http://schemas.microsoft.com/office/drawing/2014/main" id="{E8B8F26E-9345-4747-9094-972E38700A17}"/>
+                <a16:creationId xmlns:a16="http://schemas.microsoft.com/office/drawing/2014/main" id="{7D420FC2-AB1C-1352-8B3A-A25E9A1E1958}"/>
               </a:ext>
             </a:extLst>
           </p:cNvPr>
@@ -3757,48 +3657,31 @@
             <a:spLocks noGrp="1"/>
           </p:cNvSpPr>
           <p:nvPr>
-            <p:ph type="ctrTitle"/>
-          </p:nvPr>
-        </p:nvSpPr>
-        <p:spPr>
-          <a:xfrm rot="5400000">
-            <a:off x="-562431" y="562430"/>
-            <a:ext cx="6858002" cy="5733142"/>
-          </a:xfrm>
-          <a:solidFill>
-            <a:srgbClr val="3B3B3B"/>
-          </a:solidFill>
-        </p:spPr>
-        <p:txBody>
-          <a:bodyPr vert="vert270" anchor="t" anchorCtr="0"/>
-          <a:lstStyle/>
-          <a:p>
-            <a:br>
-              <a:rPr lang="en-US" dirty="0"/>
-            </a:br>
-            <a:br>
-              <a:rPr lang="en-US" dirty="0"/>
-            </a:br>
-            <a:br>
-              <a:rPr lang="en-US" dirty="0"/>
-            </a:br>
-            <a:r>
-              <a:rPr lang="en-US" b="1" dirty="0">
+            <p:ph type="title"/>
+          </p:nvPr>
+        </p:nvSpPr>
+        <p:spPr/>
+        <p:txBody>
+          <a:bodyPr/>
+          <a:lstStyle/>
+          <a:p>
+            <a:r>
+              <a:rPr lang="en-US" dirty="0">
                 <a:solidFill>
-                  <a:srgbClr val="FF6600"/>
+                  <a:schemeClr val="accent2"/>
                 </a:solidFill>
               </a:rPr>
-              <a:t>Agenda</a:t>
-            </a:r>
-          </a:p>
-        </p:txBody>
-      </p:sp>
-      <p:sp>
-        <p:nvSpPr>
-          <p:cNvPr id="3" name="Subtitle 2">
+              <a:t>G2M Cab Investment opportunity - overview</a:t>
+            </a:r>
+          </a:p>
+        </p:txBody>
+      </p:sp>
+      <p:sp>
+        <p:nvSpPr>
+          <p:cNvPr id="3" name="Content Placeholder 2">
             <a:extLst>
               <a:ext uri="{FF2B5EF4-FFF2-40B4-BE49-F238E27FC236}">
-                <a16:creationId xmlns:a16="http://schemas.microsoft.com/office/drawing/2014/main" id="{60B3D5A6-E766-7C41-BD00-B22DA4727FBA}"/>
+                <a16:creationId xmlns:a16="http://schemas.microsoft.com/office/drawing/2014/main" id="{F6CDB8BE-B2AC-4209-6A07-232DE25AF47B}"/>
               </a:ext>
             </a:extLst>
           </p:cNvPr>
@@ -3806,116 +3689,38 @@
             <a:spLocks noGrp="1"/>
           </p:cNvSpPr>
           <p:nvPr>
-            <p:ph type="subTitle" idx="1"/>
-          </p:nvPr>
-        </p:nvSpPr>
-        <p:spPr>
-          <a:xfrm rot="5400000">
-            <a:off x="5533569" y="199573"/>
-            <a:ext cx="6858004" cy="6458857"/>
-          </a:xfrm>
-        </p:spPr>
-        <p:txBody>
-          <a:bodyPr vert="vert270">
-            <a:normAutofit/>
-          </a:bodyPr>
-          <a:lstStyle/>
-          <a:p>
-            <a:pPr algn="just"/>
-            <a:r>
-              <a:rPr lang="en-US" sz="2800" dirty="0">
+            <p:ph idx="1"/>
+          </p:nvPr>
+        </p:nvSpPr>
+        <p:spPr/>
+        <p:txBody>
+          <a:bodyPr/>
+          <a:lstStyle/>
+          <a:p>
+            <a:pPr algn="l"/>
+            <a:r>
+              <a:rPr lang="en-US" b="0" i="0" dirty="0">
                 <a:solidFill>
-                  <a:srgbClr val="FF6600"/>
+                  <a:srgbClr val="2D3B45"/>
                 </a:solidFill>
+                <a:effectLst/>
+                <a:latin typeface="Lato Extended"/>
               </a:rPr>
-              <a:t>         EDA</a:t>
-            </a:r>
-          </a:p>
-          <a:p>
-            <a:pPr algn="just"/>
-            <a:r>
-              <a:rPr lang="en-US" sz="2800" dirty="0">
-                <a:solidFill>
-                  <a:srgbClr val="FF6600"/>
-                </a:solidFill>
-              </a:rPr>
-              <a:t>         EDA Summary</a:t>
-            </a:r>
-          </a:p>
-          <a:p>
-            <a:pPr algn="just"/>
-            <a:r>
-              <a:rPr lang="en-US" sz="2800" dirty="0">
-                <a:solidFill>
-                  <a:srgbClr val="FF6600"/>
-                </a:solidFill>
-              </a:rPr>
-              <a:t>         Recommendations</a:t>
-            </a:r>
-          </a:p>
-          <a:p>
-            <a:endParaRPr lang="en-US" sz="3200" dirty="0">
-              <a:solidFill>
-                <a:srgbClr val="FF6600"/>
-              </a:solidFill>
-            </a:endParaRPr>
-          </a:p>
-          <a:p>
-            <a:endParaRPr lang="en-US" dirty="0">
-              <a:solidFill>
-                <a:srgbClr val="FF6600"/>
-              </a:solidFill>
-            </a:endParaRPr>
-          </a:p>
-          <a:p>
-            <a:endParaRPr lang="en-US" dirty="0">
-              <a:solidFill>
-                <a:srgbClr val="FF6600"/>
-              </a:solidFill>
-            </a:endParaRPr>
-          </a:p>
-        </p:txBody>
-      </p:sp>
-      <p:pic>
-        <p:nvPicPr>
-          <p:cNvPr id="4" name="Picture 3">
-            <a:extLst>
-              <a:ext uri="{FF2B5EF4-FFF2-40B4-BE49-F238E27FC236}">
-                <a16:creationId xmlns:a16="http://schemas.microsoft.com/office/drawing/2014/main" id="{7A465064-0714-5743-882B-8875105A7023}"/>
-              </a:ext>
-            </a:extLst>
-          </p:cNvPr>
-          <p:cNvPicPr>
-            <a:picLocks noChangeAspect="1"/>
-          </p:cNvPicPr>
-          <p:nvPr/>
-        </p:nvPicPr>
-        <p:blipFill>
-          <a:blip r:embed="rId2">
-            <a:extLst>
-              <a:ext uri="{28A0092B-C50C-407E-A947-70E740481C1C}">
-                <a14:useLocalDpi xmlns:a14="http://schemas.microsoft.com/office/drawing/2010/main" val="0"/>
-              </a:ext>
-            </a:extLst>
-          </a:blip>
-          <a:stretch>
-            <a:fillRect/>
-          </a:stretch>
-        </p:blipFill>
-        <p:spPr>
-          <a:xfrm>
-            <a:off x="0" y="5863771"/>
-            <a:ext cx="1654627" cy="994232"/>
-          </a:xfrm>
-          <a:prstGeom prst="rect">
-            <a:avLst/>
-          </a:prstGeom>
-        </p:spPr>
-      </p:pic>
+              <a:t>XYZ is a private firm in US. Due to remarkable growth in the Cab Industry in last few years and multiple key players in the market, it is planning for an investment in Cab industry and as per their Go-to-Market(G2M) strategy they want to understand the market before taking final decision.</a:t>
+            </a:r>
+          </a:p>
+          <a:p>
+            <a:r>
+              <a:rPr lang="en-US" dirty="0"/>
+              <a:t>The objective of this presentation will be to see if some hypotheses generated from the data are feasible for supporting investment for G2M in the Cab industry.</a:t>
+            </a:r>
+          </a:p>
+        </p:txBody>
+      </p:sp>
     </p:spTree>
     <p:extLst>
       <p:ext uri="{BB962C8B-B14F-4D97-AF65-F5344CB8AC3E}">
-        <p14:creationId xmlns:p14="http://schemas.microsoft.com/office/powerpoint/2010/main" val="4047255108"/>
+        <p14:creationId xmlns:p14="http://schemas.microsoft.com/office/powerpoint/2010/main" val="1305747094"/>
       </p:ext>
     </p:extLst>
   </p:cSld>
@@ -3947,7 +3752,7 @@
           <p:cNvPr id="2" name="Title 1">
             <a:extLst>
               <a:ext uri="{FF2B5EF4-FFF2-40B4-BE49-F238E27FC236}">
-                <a16:creationId xmlns:a16="http://schemas.microsoft.com/office/drawing/2014/main" id="{7D420FC2-AB1C-1352-8B3A-A25E9A1E1958}"/>
+                <a16:creationId xmlns:a16="http://schemas.microsoft.com/office/drawing/2014/main" id="{AA00D0F3-D238-CD06-5B28-7AC6EFE5F09A}"/>
               </a:ext>
             </a:extLst>
           </p:cNvPr>
@@ -3969,7 +3774,7 @@
                   <a:schemeClr val="accent2"/>
                 </a:solidFill>
               </a:rPr>
-              <a:t>G2M Cab Investment opportunity - overview</a:t>
+              <a:t>Analysis</a:t>
             </a:r>
           </a:p>
         </p:txBody>
@@ -3979,7 +3784,7 @@
           <p:cNvPr id="3" name="Content Placeholder 2">
             <a:extLst>
               <a:ext uri="{FF2B5EF4-FFF2-40B4-BE49-F238E27FC236}">
-                <a16:creationId xmlns:a16="http://schemas.microsoft.com/office/drawing/2014/main" id="{F6CDB8BE-B2AC-4209-6A07-232DE25AF47B}"/>
+                <a16:creationId xmlns:a16="http://schemas.microsoft.com/office/drawing/2014/main" id="{6C7E84CE-5C3C-F410-8B5A-09433CB3B8F9}"/>
               </a:ext>
             </a:extLst>
           </p:cNvPr>
@@ -3995,30 +3800,56 @@
           <a:bodyPr/>
           <a:lstStyle/>
           <a:p>
-            <a:pPr algn="l"/>
-            <a:r>
-              <a:rPr lang="en-US" b="0" i="0" dirty="0">
-                <a:solidFill>
-                  <a:srgbClr val="2D3B45"/>
-                </a:solidFill>
-                <a:effectLst/>
-                <a:latin typeface="Lato Extended"/>
-              </a:rPr>
-              <a:t>XYZ is a private firm in US. Due to remarkable growth in the Cab Industry in last few years and multiple key players in the market, it is planning for an investment in Cab industry and as per their Go-to-Market(G2M) strategy they want to understand the market before taking final decision.</a:t>
-            </a:r>
-          </a:p>
-          <a:p>
             <a:r>
               <a:rPr lang="en-US" dirty="0"/>
-              <a:t>The objective of this presentation will be to see if some hypotheses generated from the data are feasible for supporting investment for G2M in the Cab industry.</a:t>
-            </a:r>
+              <a:t>The data will be analysis will be a 3-fold process. It is as follows:</a:t>
+            </a:r>
+          </a:p>
+          <a:p>
+            <a:pPr marL="914400" lvl="1" indent="-457200">
+              <a:buAutoNum type="arabicPeriod"/>
+            </a:pPr>
+            <a:r>
+              <a:rPr lang="en-US" dirty="0"/>
+              <a:t>General data analysis – Looking at the general attributes of the data to try and see if any data can be appended, or joined to improve our hypotheses, and check to see if there are any glaringly obvious insights that can be made from just the aggregate data.</a:t>
+            </a:r>
+          </a:p>
+          <a:p>
+            <a:pPr marL="914400" lvl="1" indent="-457200">
+              <a:buAutoNum type="arabicPeriod"/>
+            </a:pPr>
+            <a:r>
+              <a:rPr lang="en-US" dirty="0"/>
+              <a:t>Trend data analysis – Looking at visualizations generated from the hypotheses and data to see if any particular insights can be drawn to better inform G2M about investment strategies.</a:t>
+            </a:r>
+          </a:p>
+          <a:p>
+            <a:pPr marL="914400" lvl="1" indent="-457200">
+              <a:buAutoNum type="arabicPeriod"/>
+            </a:pPr>
+            <a:r>
+              <a:rPr lang="en-US" dirty="0"/>
+              <a:t>Recommendations – Concisely putting together insights to help inform G2M about how to go about investing in the cab industry.</a:t>
+            </a:r>
+          </a:p>
+          <a:p>
+            <a:pPr marL="914400" lvl="1" indent="-457200">
+              <a:buAutoNum type="arabicPeriod"/>
+            </a:pPr>
+            <a:endParaRPr lang="en-US" dirty="0"/>
+          </a:p>
+          <a:p>
+            <a:pPr marL="914400" lvl="1" indent="-457200">
+              <a:buAutoNum type="arabicPeriod"/>
+            </a:pPr>
+            <a:endParaRPr lang="en-US" dirty="0"/>
           </a:p>
         </p:txBody>
       </p:sp>
     </p:spTree>
     <p:extLst>
       <p:ext uri="{BB962C8B-B14F-4D97-AF65-F5344CB8AC3E}">
-        <p14:creationId xmlns:p14="http://schemas.microsoft.com/office/powerpoint/2010/main" val="1305747094"/>
+        <p14:creationId xmlns:p14="http://schemas.microsoft.com/office/powerpoint/2010/main" val="1031061615"/>
       </p:ext>
     </p:extLst>
   </p:cSld>
@@ -4050,7 +3881,7 @@
           <p:cNvPr id="2" name="Title 1">
             <a:extLst>
               <a:ext uri="{FF2B5EF4-FFF2-40B4-BE49-F238E27FC236}">
-                <a16:creationId xmlns:a16="http://schemas.microsoft.com/office/drawing/2014/main" id="{AA00D0F3-D238-CD06-5B28-7AC6EFE5F09A}"/>
+                <a16:creationId xmlns:a16="http://schemas.microsoft.com/office/drawing/2014/main" id="{F911639E-4AC0-13B9-D77F-ACFD556477A7}"/>
               </a:ext>
             </a:extLst>
           </p:cNvPr>
@@ -4072,7 +3903,7 @@
                   <a:schemeClr val="accent2"/>
                 </a:solidFill>
               </a:rPr>
-              <a:t>Analysis</a:t>
+              <a:t>General Data Analysis overview</a:t>
             </a:r>
           </a:p>
         </p:txBody>
@@ -4082,7 +3913,7 @@
           <p:cNvPr id="3" name="Content Placeholder 2">
             <a:extLst>
               <a:ext uri="{FF2B5EF4-FFF2-40B4-BE49-F238E27FC236}">
-                <a16:creationId xmlns:a16="http://schemas.microsoft.com/office/drawing/2014/main" id="{6C7E84CE-5C3C-F410-8B5A-09433CB3B8F9}"/>
+                <a16:creationId xmlns:a16="http://schemas.microsoft.com/office/drawing/2014/main" id="{03A24238-9793-5FD5-F7FB-57778A7286E2}"/>
               </a:ext>
             </a:extLst>
           </p:cNvPr>
@@ -4100,46 +3931,46 @@
           <a:p>
             <a:r>
               <a:rPr lang="en-US" dirty="0"/>
-              <a:t>The data will be analysis will be a 3-fold process. It is as follows:</a:t>
-            </a:r>
-          </a:p>
-          <a:p>
-            <a:pPr marL="914400" lvl="1" indent="-457200">
-              <a:buAutoNum type="arabicPeriod"/>
-            </a:pPr>
+              <a:t>General information about the data:</a:t>
+            </a:r>
+          </a:p>
+          <a:p>
+            <a:pPr lvl="1"/>
             <a:r>
               <a:rPr lang="en-US" dirty="0"/>
-              <a:t>General data analysis – Looking at the general attributes of the data to try and see if any data can be appended, or joined to improve our hypotheses, and check to see if there are any glaringly obvious insights that can be made from just the aggregate data.</a:t>
-            </a:r>
-          </a:p>
-          <a:p>
-            <a:pPr marL="914400" lvl="1" indent="-457200">
-              <a:buAutoNum type="arabicPeriod"/>
-            </a:pPr>
+              <a:t>4 csv files of data were analyzed, and the insights were drawn from them overall and individually (as shown later)</a:t>
+            </a:r>
+          </a:p>
+          <a:p>
+            <a:pPr lvl="1"/>
             <a:r>
               <a:rPr lang="en-US" dirty="0"/>
-              <a:t>Trend data analysis – Looking at visualizations generated from the hypotheses and data to see if any particular insights can be drawn to better inform G2M about investment strategies.</a:t>
-            </a:r>
-          </a:p>
-          <a:p>
-            <a:pPr marL="914400" lvl="1" indent="-457200">
-              <a:buAutoNum type="arabicPeriod"/>
-            </a:pPr>
+              <a:t>Total features (columns) in all datasets combined: 18</a:t>
+            </a:r>
+          </a:p>
+          <a:p>
+            <a:pPr lvl="1"/>
             <a:r>
               <a:rPr lang="en-US" dirty="0"/>
-              <a:t>Recommendations – Concisely putting together insights to help inform G2M about how to go about investing in the cab industry.</a:t>
-            </a:r>
-          </a:p>
-          <a:p>
-            <a:pPr marL="914400" lvl="1" indent="-457200">
-              <a:buAutoNum type="arabicPeriod"/>
-            </a:pPr>
-            <a:endParaRPr lang="en-US" dirty="0"/>
-          </a:p>
-          <a:p>
-            <a:pPr marL="914400" lvl="1" indent="-457200">
-              <a:buAutoNum type="arabicPeriod"/>
-            </a:pPr>
+              <a:t>Total rows in all datasets combined (unmerged): 848,681</a:t>
+            </a:r>
+          </a:p>
+          <a:p>
+            <a:pPr lvl="1"/>
+            <a:r>
+              <a:rPr lang="en-US" dirty="0"/>
+              <a:t>Timeframe of the dataset: 31/01/2016 to 31/12/2018</a:t>
+            </a:r>
+          </a:p>
+          <a:p>
+            <a:pPr lvl="1"/>
+            <a:r>
+              <a:rPr lang="en-US" dirty="0"/>
+              <a:t>Total rows in the master dataset: 359,391</a:t>
+            </a:r>
+          </a:p>
+          <a:p>
+            <a:pPr lvl="1"/>
             <a:endParaRPr lang="en-US" dirty="0"/>
           </a:p>
         </p:txBody>
@@ -4147,7 +3978,7 @@
     </p:spTree>
     <p:extLst>
       <p:ext uri="{BB962C8B-B14F-4D97-AF65-F5344CB8AC3E}">
-        <p14:creationId xmlns:p14="http://schemas.microsoft.com/office/powerpoint/2010/main" val="1031061615"/>
+        <p14:creationId xmlns:p14="http://schemas.microsoft.com/office/powerpoint/2010/main" val="2185228097"/>
       </p:ext>
     </p:extLst>
   </p:cSld>
@@ -4179,135 +4010,6 @@
           <p:cNvPr id="2" name="Title 1">
             <a:extLst>
               <a:ext uri="{FF2B5EF4-FFF2-40B4-BE49-F238E27FC236}">
-                <a16:creationId xmlns:a16="http://schemas.microsoft.com/office/drawing/2014/main" id="{F911639E-4AC0-13B9-D77F-ACFD556477A7}"/>
-              </a:ext>
-            </a:extLst>
-          </p:cNvPr>
-          <p:cNvSpPr>
-            <a:spLocks noGrp="1"/>
-          </p:cNvSpPr>
-          <p:nvPr>
-            <p:ph type="title"/>
-          </p:nvPr>
-        </p:nvSpPr>
-        <p:spPr/>
-        <p:txBody>
-          <a:bodyPr/>
-          <a:lstStyle/>
-          <a:p>
-            <a:r>
-              <a:rPr lang="en-US" dirty="0">
-                <a:solidFill>
-                  <a:schemeClr val="accent2"/>
-                </a:solidFill>
-              </a:rPr>
-              <a:t>General Data Analysis overview</a:t>
-            </a:r>
-          </a:p>
-        </p:txBody>
-      </p:sp>
-      <p:sp>
-        <p:nvSpPr>
-          <p:cNvPr id="3" name="Content Placeholder 2">
-            <a:extLst>
-              <a:ext uri="{FF2B5EF4-FFF2-40B4-BE49-F238E27FC236}">
-                <a16:creationId xmlns:a16="http://schemas.microsoft.com/office/drawing/2014/main" id="{03A24238-9793-5FD5-F7FB-57778A7286E2}"/>
-              </a:ext>
-            </a:extLst>
-          </p:cNvPr>
-          <p:cNvSpPr>
-            <a:spLocks noGrp="1"/>
-          </p:cNvSpPr>
-          <p:nvPr>
-            <p:ph idx="1"/>
-          </p:nvPr>
-        </p:nvSpPr>
-        <p:spPr/>
-        <p:txBody>
-          <a:bodyPr/>
-          <a:lstStyle/>
-          <a:p>
-            <a:r>
-              <a:rPr lang="en-US" dirty="0"/>
-              <a:t>General information about the data:</a:t>
-            </a:r>
-          </a:p>
-          <a:p>
-            <a:pPr lvl="1"/>
-            <a:r>
-              <a:rPr lang="en-US" dirty="0"/>
-              <a:t>4 csv files of data were analyzed, and the insights were drawn from them overall and individually (as shown later)</a:t>
-            </a:r>
-          </a:p>
-          <a:p>
-            <a:pPr lvl="1"/>
-            <a:r>
-              <a:rPr lang="en-US" dirty="0"/>
-              <a:t>Total features (columns) in all datasets combined: 18</a:t>
-            </a:r>
-          </a:p>
-          <a:p>
-            <a:pPr lvl="1"/>
-            <a:r>
-              <a:rPr lang="en-US" dirty="0"/>
-              <a:t>Total rows in all datasets combined (unmerged): 848,681</a:t>
-            </a:r>
-          </a:p>
-          <a:p>
-            <a:pPr lvl="1"/>
-            <a:r>
-              <a:rPr lang="en-US" dirty="0"/>
-              <a:t>Timeframe of the dataset: 31/01/2016 to 31/12/2018</a:t>
-            </a:r>
-          </a:p>
-          <a:p>
-            <a:pPr lvl="1"/>
-            <a:r>
-              <a:rPr lang="en-US" dirty="0"/>
-              <a:t>Total rows in the master dataset: 359,391</a:t>
-            </a:r>
-          </a:p>
-          <a:p>
-            <a:pPr lvl="1"/>
-            <a:endParaRPr lang="en-US" dirty="0"/>
-          </a:p>
-        </p:txBody>
-      </p:sp>
-    </p:spTree>
-    <p:extLst>
-      <p:ext uri="{BB962C8B-B14F-4D97-AF65-F5344CB8AC3E}">
-        <p14:creationId xmlns:p14="http://schemas.microsoft.com/office/powerpoint/2010/main" val="2185228097"/>
-      </p:ext>
-    </p:extLst>
-  </p:cSld>
-  <p:clrMapOvr>
-    <a:masterClrMapping/>
-  </p:clrMapOvr>
-</p:sld>
-</file>
-
-<file path=ppt/slides/slide6.xml><?xml version="1.0" encoding="utf-8"?>
-<p:sld xmlns:a="http://schemas.openxmlformats.org/drawingml/2006/main" xmlns:r="http://schemas.openxmlformats.org/officeDocument/2006/relationships" xmlns:p="http://schemas.openxmlformats.org/presentationml/2006/main">
-  <p:cSld>
-    <p:spTree>
-      <p:nvGrpSpPr>
-        <p:cNvPr id="1" name=""/>
-        <p:cNvGrpSpPr/>
-        <p:nvPr/>
-      </p:nvGrpSpPr>
-      <p:grpSpPr>
-        <a:xfrm>
-          <a:off x="0" y="0"/>
-          <a:ext cx="0" cy="0"/>
-          <a:chOff x="0" y="0"/>
-          <a:chExt cx="0" cy="0"/>
-        </a:xfrm>
-      </p:grpSpPr>
-      <p:sp>
-        <p:nvSpPr>
-          <p:cNvPr id="2" name="Title 1">
-            <a:extLst>
-              <a:ext uri="{FF2B5EF4-FFF2-40B4-BE49-F238E27FC236}">
                 <a16:creationId xmlns:a16="http://schemas.microsoft.com/office/drawing/2014/main" id="{13B16255-0B4F-C497-C267-E31DF0A204C0}"/>
               </a:ext>
             </a:extLst>
@@ -4426,7 +4128,7 @@
 </p:sld>
 </file>
 
-<file path=ppt/slides/slide7.xml><?xml version="1.0" encoding="utf-8"?>
+<file path=ppt/slides/slide6.xml><?xml version="1.0" encoding="utf-8"?>
 <p:sld xmlns:a="http://schemas.openxmlformats.org/drawingml/2006/main" xmlns:r="http://schemas.openxmlformats.org/officeDocument/2006/relationships" xmlns:p="http://schemas.openxmlformats.org/presentationml/2006/main">
   <p:cSld>
     <p:spTree>
@@ -4525,7 +4227,7 @@
 </p:sld>
 </file>
 
-<file path=ppt/slides/slide8.xml><?xml version="1.0" encoding="utf-8"?>
+<file path=ppt/slides/slide7.xml><?xml version="1.0" encoding="utf-8"?>
 <p:sld xmlns:a="http://schemas.openxmlformats.org/drawingml/2006/main" xmlns:r="http://schemas.openxmlformats.org/officeDocument/2006/relationships" xmlns:p="http://schemas.openxmlformats.org/presentationml/2006/main">
   <p:cSld>
     <p:spTree>
@@ -4629,7 +4331,7 @@
 </p:sld>
 </file>
 
-<file path=ppt/slides/slide9.xml><?xml version="1.0" encoding="utf-8"?>
+<file path=ppt/slides/slide8.xml><?xml version="1.0" encoding="utf-8"?>
 <p:sld xmlns:a="http://schemas.openxmlformats.org/drawingml/2006/main" xmlns:r="http://schemas.openxmlformats.org/officeDocument/2006/relationships" xmlns:p="http://schemas.openxmlformats.org/presentationml/2006/main">
   <p:cSld>
     <p:spTree>
@@ -4719,6 +4421,105 @@
     <p:extLst>
       <p:ext uri="{BB962C8B-B14F-4D97-AF65-F5344CB8AC3E}">
         <p14:creationId xmlns:p14="http://schemas.microsoft.com/office/powerpoint/2010/main" val="4023070176"/>
+      </p:ext>
+    </p:extLst>
+  </p:cSld>
+  <p:clrMapOvr>
+    <a:masterClrMapping/>
+  </p:clrMapOvr>
+</p:sld>
+</file>
+
+<file path=ppt/slides/slide9.xml><?xml version="1.0" encoding="utf-8"?>
+<p:sld xmlns:a="http://schemas.openxmlformats.org/drawingml/2006/main" xmlns:r="http://schemas.openxmlformats.org/officeDocument/2006/relationships" xmlns:p="http://schemas.openxmlformats.org/presentationml/2006/main">
+  <p:cSld>
+    <p:spTree>
+      <p:nvGrpSpPr>
+        <p:cNvPr id="1" name=""/>
+        <p:cNvGrpSpPr/>
+        <p:nvPr/>
+      </p:nvGrpSpPr>
+      <p:grpSpPr>
+        <a:xfrm>
+          <a:off x="0" y="0"/>
+          <a:ext cx="0" cy="0"/>
+          <a:chOff x="0" y="0"/>
+          <a:chExt cx="0" cy="0"/>
+        </a:xfrm>
+      </p:grpSpPr>
+      <p:sp>
+        <p:nvSpPr>
+          <p:cNvPr id="2" name="Title 1">
+            <a:extLst>
+              <a:ext uri="{FF2B5EF4-FFF2-40B4-BE49-F238E27FC236}">
+                <a16:creationId xmlns:a16="http://schemas.microsoft.com/office/drawing/2014/main" id="{9BB47AAD-C838-C1B2-258E-D5DFF85DCDB5}"/>
+              </a:ext>
+            </a:extLst>
+          </p:cNvPr>
+          <p:cNvSpPr>
+            <a:spLocks noGrp="1"/>
+          </p:cNvSpPr>
+          <p:nvPr>
+            <p:ph type="title"/>
+          </p:nvPr>
+        </p:nvSpPr>
+        <p:spPr/>
+        <p:txBody>
+          <a:bodyPr>
+            <a:normAutofit fontScale="90000"/>
+          </a:bodyPr>
+          <a:lstStyle/>
+          <a:p>
+            <a:r>
+              <a:rPr lang="en-US" dirty="0">
+                <a:solidFill>
+                  <a:schemeClr val="accent2"/>
+                </a:solidFill>
+              </a:rPr>
+              <a:t>Hypothesis 4: Clear-cut gender demographic to focus on investing in to attract customers to cabs, and an area of improvement also possible for G2M</a:t>
+            </a:r>
+          </a:p>
+        </p:txBody>
+      </p:sp>
+      <p:pic>
+        <p:nvPicPr>
+          <p:cNvPr id="5" name="Content Placeholder 4" descr="Chart, bar chart&#10;&#10;Description automatically generated">
+            <a:extLst>
+              <a:ext uri="{FF2B5EF4-FFF2-40B4-BE49-F238E27FC236}">
+                <a16:creationId xmlns:a16="http://schemas.microsoft.com/office/drawing/2014/main" id="{DC3934E0-BAE9-62B6-C9E1-F794E496862F}"/>
+              </a:ext>
+            </a:extLst>
+          </p:cNvPr>
+          <p:cNvPicPr>
+            <a:picLocks noGrp="1" noChangeAspect="1"/>
+          </p:cNvPicPr>
+          <p:nvPr>
+            <p:ph idx="1"/>
+          </p:nvPr>
+        </p:nvPicPr>
+        <p:blipFill>
+          <a:blip r:embed="rId2">
+            <a:extLst>
+              <a:ext uri="{28A0092B-C50C-407E-A947-70E740481C1C}">
+                <a14:useLocalDpi xmlns:a14="http://schemas.microsoft.com/office/drawing/2010/main" val="0"/>
+              </a:ext>
+            </a:extLst>
+          </a:blip>
+          <a:stretch>
+            <a:fillRect/>
+          </a:stretch>
+        </p:blipFill>
+        <p:spPr>
+          <a:xfrm>
+            <a:off x="2710520" y="1825625"/>
+            <a:ext cx="6770960" cy="4351338"/>
+          </a:xfrm>
+        </p:spPr>
+      </p:pic>
+    </p:spTree>
+    <p:extLst>
+      <p:ext uri="{BB962C8B-B14F-4D97-AF65-F5344CB8AC3E}">
+        <p14:creationId xmlns:p14="http://schemas.microsoft.com/office/powerpoint/2010/main" val="1728501981"/>
       </p:ext>
     </p:extLst>
   </p:cSld>
